--- a/Презентация проекта pygame.pptx
+++ b/Презентация проекта pygame.pptx
@@ -5,32 +5,31 @@
     <p:sldMasterId id="2147483659" r:id="rId1"/>
   </p:sldMasterIdLst>
   <p:notesMasterIdLst>
-    <p:notesMasterId r:id="rId8"/>
+    <p:notesMasterId r:id="rId7"/>
   </p:notesMasterIdLst>
   <p:sldIdLst>
     <p:sldId id="256" r:id="rId2"/>
     <p:sldId id="257" r:id="rId3"/>
-    <p:sldId id="258" r:id="rId4"/>
-    <p:sldId id="259" r:id="rId5"/>
-    <p:sldId id="260" r:id="rId6"/>
-    <p:sldId id="261" r:id="rId7"/>
+    <p:sldId id="259" r:id="rId4"/>
+    <p:sldId id="260" r:id="rId5"/>
+    <p:sldId id="261" r:id="rId6"/>
   </p:sldIdLst>
   <p:sldSz cx="9144000" cy="5143500" type="screen16x9"/>
   <p:notesSz cx="6858000" cy="9144000"/>
   <p:embeddedFontLst>
     <p:embeddedFont>
       <p:font typeface="Lato" panose="020F0502020204030203" pitchFamily="34" charset="0"/>
-      <p:regular r:id="rId9"/>
-      <p:bold r:id="rId10"/>
-      <p:italic r:id="rId11"/>
-      <p:boldItalic r:id="rId12"/>
+      <p:regular r:id="rId8"/>
+      <p:bold r:id="rId9"/>
+      <p:italic r:id="rId10"/>
+      <p:boldItalic r:id="rId11"/>
     </p:embeddedFont>
     <p:embeddedFont>
       <p:font typeface="Montserrat" panose="00000500000000000000" pitchFamily="2" charset="-52"/>
-      <p:regular r:id="rId13"/>
-      <p:bold r:id="rId14"/>
-      <p:italic r:id="rId15"/>
-      <p:boldItalic r:id="rId16"/>
+      <p:regular r:id="rId12"/>
+      <p:bold r:id="rId13"/>
+      <p:italic r:id="rId14"/>
+      <p:boldItalic r:id="rId15"/>
     </p:embeddedFont>
   </p:embeddedFontLst>
   <p:defaultTextStyle>
@@ -935,110 +934,6 @@
   <p:cSld>
     <p:spTree>
       <p:nvGrpSpPr>
-        <p:cNvPr id="1" name="Shape 142"/>
-        <p:cNvGrpSpPr/>
-        <p:nvPr/>
-      </p:nvGrpSpPr>
-      <p:grpSpPr>
-        <a:xfrm>
-          <a:off x="0" y="0"/>
-          <a:ext cx="0" cy="0"/>
-          <a:chOff x="0" y="0"/>
-          <a:chExt cx="0" cy="0"/>
-        </a:xfrm>
-      </p:grpSpPr>
-      <p:sp>
-        <p:nvSpPr>
-          <p:cNvPr id="143" name="Google Shape;143;g31a63fef022_0_175:notes"/>
-          <p:cNvSpPr>
-            <a:spLocks noGrp="1" noRot="1" noChangeAspect="1"/>
-          </p:cNvSpPr>
-          <p:nvPr>
-            <p:ph type="sldImg" idx="2"/>
-          </p:nvPr>
-        </p:nvSpPr>
-        <p:spPr>
-          <a:xfrm>
-            <a:off x="381300" y="685800"/>
-            <a:ext cx="6096000" cy="3429000"/>
-          </a:xfrm>
-          <a:custGeom>
-            <a:avLst/>
-            <a:gdLst/>
-            <a:ahLst/>
-            <a:cxnLst/>
-            <a:rect l="l" t="t" r="r" b="b"/>
-            <a:pathLst>
-              <a:path w="120000" h="120000" extrusionOk="0">
-                <a:moveTo>
-                  <a:pt x="0" y="0"/>
-                </a:moveTo>
-                <a:lnTo>
-                  <a:pt x="120000" y="0"/>
-                </a:lnTo>
-                <a:lnTo>
-                  <a:pt x="120000" y="120000"/>
-                </a:lnTo>
-                <a:lnTo>
-                  <a:pt x="0" y="120000"/>
-                </a:lnTo>
-                <a:close/>
-              </a:path>
-            </a:pathLst>
-          </a:custGeom>
-        </p:spPr>
-      </p:sp>
-      <p:sp>
-        <p:nvSpPr>
-          <p:cNvPr id="144" name="Google Shape;144;g31a63fef022_0_175:notes"/>
-          <p:cNvSpPr txBox="1">
-            <a:spLocks noGrp="1"/>
-          </p:cNvSpPr>
-          <p:nvPr>
-            <p:ph type="body" idx="1"/>
-          </p:nvPr>
-        </p:nvSpPr>
-        <p:spPr>
-          <a:xfrm>
-            <a:off x="685800" y="4343400"/>
-            <a:ext cx="5486400" cy="4114800"/>
-          </a:xfrm>
-          <a:prstGeom prst="rect">
-            <a:avLst/>
-          </a:prstGeom>
-        </p:spPr>
-        <p:txBody>
-          <a:bodyPr spcFirstLastPara="1" wrap="square" lIns="91425" tIns="91425" rIns="91425" bIns="91425" anchor="t" anchorCtr="0">
-            <a:noAutofit/>
-          </a:bodyPr>
-          <a:lstStyle/>
-          <a:p>
-            <a:pPr marL="0" lvl="0" indent="0" algn="l" rtl="0">
-              <a:spcBef>
-                <a:spcPts val="0"/>
-              </a:spcBef>
-              <a:spcAft>
-                <a:spcPts val="0"/>
-              </a:spcAft>
-              <a:buNone/>
-            </a:pPr>
-            <a:endParaRPr/>
-          </a:p>
-        </p:txBody>
-      </p:sp>
-    </p:spTree>
-  </p:cSld>
-  <p:clrMapOvr>
-    <a:masterClrMapping/>
-  </p:clrMapOvr>
-</p:notes>
-</file>
-
-<file path=ppt/notesSlides/notesSlide4.xml><?xml version="1.0" encoding="utf-8"?>
-<p:notes xmlns:a="http://schemas.openxmlformats.org/drawingml/2006/main" xmlns:r="http://schemas.openxmlformats.org/officeDocument/2006/relationships" xmlns:p="http://schemas.openxmlformats.org/presentationml/2006/main" showMasterSp="0" showMasterPhAnim="0">
-  <p:cSld>
-    <p:spTree>
-      <p:nvGrpSpPr>
         <p:cNvPr id="1" name="Shape 151"/>
         <p:cNvGrpSpPr/>
         <p:nvPr/>
@@ -1138,7 +1033,7 @@
 </p:notes>
 </file>
 
-<file path=ppt/notesSlides/notesSlide5.xml><?xml version="1.0" encoding="utf-8"?>
+<file path=ppt/notesSlides/notesSlide4.xml><?xml version="1.0" encoding="utf-8"?>
 <p:notes xmlns:a="http://schemas.openxmlformats.org/drawingml/2006/main" xmlns:r="http://schemas.openxmlformats.org/officeDocument/2006/relationships" xmlns:p="http://schemas.openxmlformats.org/presentationml/2006/main" showMasterSp="0" showMasterPhAnim="0">
   <p:cSld>
     <p:spTree>
@@ -1167,7 +1062,7 @@
         </p:nvSpPr>
         <p:spPr>
           <a:xfrm>
-            <a:off x="381300" y="685800"/>
+            <a:off x="381000" y="685800"/>
             <a:ext cx="6096000" cy="3429000"/>
           </a:xfrm>
           <a:custGeom>
@@ -1242,7 +1137,7 @@
 </p:notes>
 </file>
 
-<file path=ppt/notesSlides/notesSlide6.xml><?xml version="1.0" encoding="utf-8"?>
+<file path=ppt/notesSlides/notesSlide5.xml><?xml version="1.0" encoding="utf-8"?>
 <p:notes xmlns:a="http://schemas.openxmlformats.org/drawingml/2006/main" xmlns:r="http://schemas.openxmlformats.org/officeDocument/2006/relationships" xmlns:p="http://schemas.openxmlformats.org/presentationml/2006/main" showMasterSp="0" showMasterPhAnim="0">
   <p:cSld>
     <p:spTree>
@@ -9642,461 +9537,6 @@
   <p:cSld>
     <p:spTree>
       <p:nvGrpSpPr>
-        <p:cNvPr id="1" name="Shape 145"/>
-        <p:cNvGrpSpPr/>
-        <p:nvPr/>
-      </p:nvGrpSpPr>
-      <p:grpSpPr>
-        <a:xfrm>
-          <a:off x="0" y="0"/>
-          <a:ext cx="0" cy="0"/>
-          <a:chOff x="0" y="0"/>
-          <a:chExt cx="0" cy="0"/>
-        </a:xfrm>
-      </p:grpSpPr>
-      <p:sp>
-        <p:nvSpPr>
-          <p:cNvPr id="146" name="Google Shape;146;p15"/>
-          <p:cNvSpPr txBox="1">
-            <a:spLocks noGrp="1"/>
-          </p:cNvSpPr>
-          <p:nvPr>
-            <p:ph type="title"/>
-          </p:nvPr>
-        </p:nvSpPr>
-        <p:spPr>
-          <a:xfrm>
-            <a:off x="1297500" y="393750"/>
-            <a:ext cx="7038900" cy="914100"/>
-          </a:xfrm>
-          <a:prstGeom prst="rect">
-            <a:avLst/>
-          </a:prstGeom>
-        </p:spPr>
-        <p:txBody>
-          <a:bodyPr spcFirstLastPara="1" wrap="square" lIns="91425" tIns="91425" rIns="91425" bIns="91425" anchor="t" anchorCtr="0">
-            <a:normAutofit/>
-          </a:bodyPr>
-          <a:lstStyle/>
-          <a:p>
-            <a:pPr marL="0" lvl="0" indent="0" algn="l" rtl="0">
-              <a:spcBef>
-                <a:spcPts val="0"/>
-              </a:spcBef>
-              <a:spcAft>
-                <a:spcPts val="0"/>
-              </a:spcAft>
-              <a:buNone/>
-            </a:pPr>
-            <a:r>
-              <a:rPr lang="ru"/>
-              <a:t>Описание реализации</a:t>
-            </a:r>
-            <a:endParaRPr/>
-          </a:p>
-        </p:txBody>
-      </p:sp>
-      <p:sp>
-        <p:nvSpPr>
-          <p:cNvPr id="147" name="Google Shape;147;p15"/>
-          <p:cNvSpPr txBox="1">
-            <a:spLocks noGrp="1"/>
-          </p:cNvSpPr>
-          <p:nvPr>
-            <p:ph type="body" idx="1"/>
-          </p:nvPr>
-        </p:nvSpPr>
-        <p:spPr>
-          <a:xfrm>
-            <a:off x="1084525" y="992500"/>
-            <a:ext cx="2708700" cy="1706100"/>
-          </a:xfrm>
-          <a:prstGeom prst="rect">
-            <a:avLst/>
-          </a:prstGeom>
-        </p:spPr>
-        <p:txBody>
-          <a:bodyPr spcFirstLastPara="1" wrap="square" lIns="91425" tIns="91425" rIns="91425" bIns="91425" anchor="t" anchorCtr="0">
-            <a:noAutofit/>
-          </a:bodyPr>
-          <a:lstStyle/>
-          <a:p>
-            <a:pPr marL="0" lvl="0" indent="0" algn="l" rtl="0">
-              <a:spcBef>
-                <a:spcPts val="0"/>
-              </a:spcBef>
-              <a:spcAft>
-                <a:spcPts val="0"/>
-              </a:spcAft>
-              <a:buNone/>
-            </a:pPr>
-            <a:r>
-              <a:rPr lang="ru" sz="1500"/>
-              <a:t>Класс TicTacToe:</a:t>
-            </a:r>
-            <a:endParaRPr sz="1500"/>
-          </a:p>
-          <a:p>
-            <a:pPr marL="0" lvl="0" indent="0" algn="l" rtl="0">
-              <a:spcBef>
-                <a:spcPts val="1200"/>
-              </a:spcBef>
-              <a:spcAft>
-                <a:spcPts val="1200"/>
-              </a:spcAft>
-              <a:buNone/>
-            </a:pPr>
-            <a:r>
-              <a:rPr lang="ru" sz="1500"/>
-              <a:t>Запуская его с помощью Qt дизайнера открывается всем известная игра крестики-нолики в которую вы можете поиграть с товарищем.</a:t>
-            </a:r>
-            <a:endParaRPr sz="1500"/>
-          </a:p>
-        </p:txBody>
-      </p:sp>
-      <p:sp>
-        <p:nvSpPr>
-          <p:cNvPr id="148" name="Google Shape;148;p15"/>
-          <p:cNvSpPr txBox="1"/>
-          <p:nvPr/>
-        </p:nvSpPr>
-        <p:spPr>
-          <a:xfrm>
-            <a:off x="4229800" y="992500"/>
-            <a:ext cx="2992500" cy="1341900"/>
-          </a:xfrm>
-          <a:prstGeom prst="rect">
-            <a:avLst/>
-          </a:prstGeom>
-          <a:noFill/>
-          <a:ln>
-            <a:noFill/>
-          </a:ln>
-        </p:spPr>
-        <p:txBody>
-          <a:bodyPr spcFirstLastPara="1" wrap="square" lIns="91425" tIns="91425" rIns="91425" bIns="91425" anchor="t" anchorCtr="0">
-            <a:noAutofit/>
-          </a:bodyPr>
-          <a:lstStyle/>
-          <a:p>
-            <a:pPr marL="0" lvl="0" indent="0" algn="l" rtl="0">
-              <a:spcBef>
-                <a:spcPts val="0"/>
-              </a:spcBef>
-              <a:spcAft>
-                <a:spcPts val="0"/>
-              </a:spcAft>
-              <a:buNone/>
-            </a:pPr>
-            <a:r>
-              <a:rPr lang="ru" sz="1500">
-                <a:solidFill>
-                  <a:schemeClr val="lt1"/>
-                </a:solidFill>
-                <a:latin typeface="Lato"/>
-                <a:ea typeface="Lato"/>
-                <a:cs typeface="Lato"/>
-                <a:sym typeface="Lato"/>
-              </a:rPr>
-              <a:t>Класс Minesweeper:</a:t>
-            </a:r>
-            <a:endParaRPr sz="1500">
-              <a:solidFill>
-                <a:schemeClr val="lt1"/>
-              </a:solidFill>
-              <a:latin typeface="Lato"/>
-              <a:ea typeface="Lato"/>
-              <a:cs typeface="Lato"/>
-              <a:sym typeface="Lato"/>
-            </a:endParaRPr>
-          </a:p>
-          <a:p>
-            <a:pPr marL="0" lvl="0" indent="0" algn="l" rtl="0">
-              <a:spcBef>
-                <a:spcPts val="0"/>
-              </a:spcBef>
-              <a:spcAft>
-                <a:spcPts val="0"/>
-              </a:spcAft>
-              <a:buNone/>
-            </a:pPr>
-            <a:endParaRPr sz="1500">
-              <a:solidFill>
-                <a:schemeClr val="lt1"/>
-              </a:solidFill>
-              <a:latin typeface="Lato"/>
-              <a:ea typeface="Lato"/>
-              <a:cs typeface="Lato"/>
-              <a:sym typeface="Lato"/>
-            </a:endParaRPr>
-          </a:p>
-          <a:p>
-            <a:pPr marL="0" lvl="0" indent="0" algn="l" rtl="0">
-              <a:spcBef>
-                <a:spcPts val="0"/>
-              </a:spcBef>
-              <a:spcAft>
-                <a:spcPts val="0"/>
-              </a:spcAft>
-              <a:buNone/>
-            </a:pPr>
-            <a:r>
-              <a:rPr lang="ru" sz="1500">
-                <a:solidFill>
-                  <a:schemeClr val="lt1"/>
-                </a:solidFill>
-                <a:latin typeface="Lato"/>
-                <a:ea typeface="Lato"/>
-                <a:cs typeface="Lato"/>
-                <a:sym typeface="Lato"/>
-              </a:rPr>
-              <a:t>Этот класс запускает игру сапёр в которую вам будет интересно играть когда вы один.</a:t>
-            </a:r>
-            <a:endParaRPr sz="1500">
-              <a:solidFill>
-                <a:schemeClr val="lt1"/>
-              </a:solidFill>
-              <a:latin typeface="Lato"/>
-              <a:ea typeface="Lato"/>
-              <a:cs typeface="Lato"/>
-              <a:sym typeface="Lato"/>
-            </a:endParaRPr>
-          </a:p>
-        </p:txBody>
-      </p:sp>
-      <p:sp>
-        <p:nvSpPr>
-          <p:cNvPr id="149" name="Google Shape;149;p15"/>
-          <p:cNvSpPr txBox="1"/>
-          <p:nvPr/>
-        </p:nvSpPr>
-        <p:spPr>
-          <a:xfrm>
-            <a:off x="1084525" y="3188325"/>
-            <a:ext cx="2992500" cy="1108200"/>
-          </a:xfrm>
-          <a:prstGeom prst="rect">
-            <a:avLst/>
-          </a:prstGeom>
-          <a:noFill/>
-          <a:ln>
-            <a:noFill/>
-          </a:ln>
-        </p:spPr>
-        <p:txBody>
-          <a:bodyPr spcFirstLastPara="1" wrap="square" lIns="91425" tIns="91425" rIns="91425" bIns="91425" anchor="t" anchorCtr="0">
-            <a:spAutoFit/>
-          </a:bodyPr>
-          <a:lstStyle/>
-          <a:p>
-            <a:pPr marL="0" lvl="0" indent="0" algn="l" rtl="0">
-              <a:spcBef>
-                <a:spcPts val="0"/>
-              </a:spcBef>
-              <a:spcAft>
-                <a:spcPts val="0"/>
-              </a:spcAft>
-              <a:buNone/>
-            </a:pPr>
-            <a:r>
-              <a:rPr lang="ru" sz="1500">
-                <a:solidFill>
-                  <a:schemeClr val="lt1"/>
-                </a:solidFill>
-                <a:latin typeface="Lato"/>
-                <a:ea typeface="Lato"/>
-                <a:cs typeface="Lato"/>
-                <a:sym typeface="Lato"/>
-              </a:rPr>
-              <a:t>Класс result:</a:t>
-            </a:r>
-            <a:endParaRPr sz="1500">
-              <a:solidFill>
-                <a:schemeClr val="lt1"/>
-              </a:solidFill>
-              <a:latin typeface="Lato"/>
-              <a:ea typeface="Lato"/>
-              <a:cs typeface="Lato"/>
-              <a:sym typeface="Lato"/>
-            </a:endParaRPr>
-          </a:p>
-          <a:p>
-            <a:pPr marL="0" lvl="0" indent="0" algn="l" rtl="0">
-              <a:spcBef>
-                <a:spcPts val="0"/>
-              </a:spcBef>
-              <a:spcAft>
-                <a:spcPts val="0"/>
-              </a:spcAft>
-              <a:buNone/>
-            </a:pPr>
-            <a:endParaRPr sz="1500">
-              <a:solidFill>
-                <a:schemeClr val="lt1"/>
-              </a:solidFill>
-              <a:latin typeface="Lato"/>
-              <a:ea typeface="Lato"/>
-              <a:cs typeface="Lato"/>
-              <a:sym typeface="Lato"/>
-            </a:endParaRPr>
-          </a:p>
-          <a:p>
-            <a:pPr marL="0" lvl="0" indent="0" algn="l" rtl="0">
-              <a:spcBef>
-                <a:spcPts val="0"/>
-              </a:spcBef>
-              <a:spcAft>
-                <a:spcPts val="0"/>
-              </a:spcAft>
-              <a:buNone/>
-            </a:pPr>
-            <a:r>
-              <a:rPr lang="ru" sz="1500">
-                <a:solidFill>
-                  <a:schemeClr val="lt1"/>
-                </a:solidFill>
-                <a:latin typeface="Lato"/>
-                <a:ea typeface="Lato"/>
-                <a:cs typeface="Lato"/>
-                <a:sym typeface="Lato"/>
-              </a:rPr>
-              <a:t>Выводит список игроков и их результат</a:t>
-            </a:r>
-            <a:endParaRPr sz="1500">
-              <a:solidFill>
-                <a:schemeClr val="lt1"/>
-              </a:solidFill>
-              <a:latin typeface="Lato"/>
-              <a:ea typeface="Lato"/>
-              <a:cs typeface="Lato"/>
-              <a:sym typeface="Lato"/>
-            </a:endParaRPr>
-          </a:p>
-        </p:txBody>
-      </p:sp>
-      <p:sp>
-        <p:nvSpPr>
-          <p:cNvPr id="150" name="Google Shape;150;p15"/>
-          <p:cNvSpPr txBox="1"/>
-          <p:nvPr/>
-        </p:nvSpPr>
-        <p:spPr>
-          <a:xfrm>
-            <a:off x="4229800" y="3188325"/>
-            <a:ext cx="2992500" cy="1108200"/>
-          </a:xfrm>
-          <a:prstGeom prst="rect">
-            <a:avLst/>
-          </a:prstGeom>
-          <a:noFill/>
-          <a:ln>
-            <a:noFill/>
-          </a:ln>
-        </p:spPr>
-        <p:txBody>
-          <a:bodyPr spcFirstLastPara="1" wrap="square" lIns="91425" tIns="91425" rIns="91425" bIns="91425" anchor="t" anchorCtr="0">
-            <a:spAutoFit/>
-          </a:bodyPr>
-          <a:lstStyle/>
-          <a:p>
-            <a:pPr marL="0" lvl="0" indent="0" algn="l" rtl="0">
-              <a:spcBef>
-                <a:spcPts val="0"/>
-              </a:spcBef>
-              <a:spcAft>
-                <a:spcPts val="0"/>
-              </a:spcAft>
-              <a:buNone/>
-            </a:pPr>
-            <a:r>
-              <a:rPr lang="ru" sz="1500">
-                <a:solidFill>
-                  <a:schemeClr val="lt1"/>
-                </a:solidFill>
-                <a:latin typeface="Lato"/>
-                <a:ea typeface="Lato"/>
-                <a:cs typeface="Lato"/>
-                <a:sym typeface="Lato"/>
-              </a:rPr>
-              <a:t>Класс MainWindow:</a:t>
-            </a:r>
-            <a:endParaRPr sz="1500">
-              <a:solidFill>
-                <a:schemeClr val="lt1"/>
-              </a:solidFill>
-              <a:latin typeface="Lato"/>
-              <a:ea typeface="Lato"/>
-              <a:cs typeface="Lato"/>
-              <a:sym typeface="Lato"/>
-            </a:endParaRPr>
-          </a:p>
-          <a:p>
-            <a:pPr marL="0" lvl="0" indent="0" algn="l" rtl="0">
-              <a:spcBef>
-                <a:spcPts val="0"/>
-              </a:spcBef>
-              <a:spcAft>
-                <a:spcPts val="0"/>
-              </a:spcAft>
-              <a:buNone/>
-            </a:pPr>
-            <a:endParaRPr sz="1500">
-              <a:solidFill>
-                <a:schemeClr val="lt1"/>
-              </a:solidFill>
-              <a:latin typeface="Lato"/>
-              <a:ea typeface="Lato"/>
-              <a:cs typeface="Lato"/>
-              <a:sym typeface="Lato"/>
-            </a:endParaRPr>
-          </a:p>
-          <a:p>
-            <a:pPr marL="0" lvl="0" indent="0" algn="l" rtl="0">
-              <a:spcBef>
-                <a:spcPts val="0"/>
-              </a:spcBef>
-              <a:spcAft>
-                <a:spcPts val="0"/>
-              </a:spcAft>
-              <a:buNone/>
-            </a:pPr>
-            <a:r>
-              <a:rPr lang="ru" sz="1500">
-                <a:solidFill>
-                  <a:schemeClr val="lt1"/>
-                </a:solidFill>
-                <a:latin typeface="Lato"/>
-                <a:ea typeface="Lato"/>
-                <a:cs typeface="Lato"/>
-                <a:sym typeface="Lato"/>
-              </a:rPr>
-              <a:t>Открывает главное меню в котором вы можете выбрать игру.</a:t>
-            </a:r>
-            <a:endParaRPr sz="1500">
-              <a:solidFill>
-                <a:schemeClr val="lt1"/>
-              </a:solidFill>
-              <a:latin typeface="Lato"/>
-              <a:ea typeface="Lato"/>
-              <a:cs typeface="Lato"/>
-              <a:sym typeface="Lato"/>
-            </a:endParaRPr>
-          </a:p>
-        </p:txBody>
-      </p:sp>
-    </p:spTree>
-  </p:cSld>
-  <p:clrMapOvr>
-    <a:masterClrMapping/>
-  </p:clrMapOvr>
-</p:sld>
-</file>
-
-<file path=ppt/slides/slide4.xml><?xml version="1.0" encoding="utf-8"?>
-<p:sld xmlns:a="http://schemas.openxmlformats.org/drawingml/2006/main" xmlns:r="http://schemas.openxmlformats.org/officeDocument/2006/relationships" xmlns:p="http://schemas.openxmlformats.org/presentationml/2006/main">
-  <p:cSld>
-    <p:spTree>
-      <p:nvGrpSpPr>
         <p:cNvPr id="1" name="Shape 154"/>
         <p:cNvGrpSpPr/>
         <p:nvPr/>
@@ -10213,7 +9653,7 @@
 </p:sld>
 </file>
 
-<file path=ppt/slides/slide5.xml><?xml version="1.0" encoding="utf-8"?>
+<file path=ppt/slides/slide4.xml><?xml version="1.0" encoding="utf-8"?>
 <p:sld xmlns:a="http://schemas.openxmlformats.org/drawingml/2006/main" xmlns:r="http://schemas.openxmlformats.org/officeDocument/2006/relationships" xmlns:p="http://schemas.openxmlformats.org/presentationml/2006/main">
   <p:cSld>
     <p:spTree>
@@ -10265,10 +9705,10 @@
               <a:buNone/>
             </a:pPr>
             <a:r>
-              <a:rPr lang="ru"/>
-              <a:t>Вывод</a:t>
+              <a:rPr lang="ru-RU" dirty="0"/>
+              <a:t>Результат</a:t>
             </a:r>
-            <a:endParaRPr/>
+            <a:endParaRPr dirty="0"/>
           </a:p>
         </p:txBody>
       </p:sp>
@@ -10307,10 +9747,9 @@
               <a:buNone/>
             </a:pPr>
             <a:r>
-              <a:rPr lang="ru" sz="1500"/>
-              <a:t>У нас получилось сделать игровой автомат и теперь мы сможем играть в целых две игры если телефон разрядится, но МАГИЧЕСКИМ ОБРАЗОМ у нас будет ноут.)</a:t>
+              <a:rPr lang="ru-RU" sz="1500" dirty="0"/>
+              <a:t>Я выполнил задачу и доволен</a:t>
             </a:r>
-            <a:endParaRPr sz="1500"/>
           </a:p>
         </p:txBody>
       </p:sp>
@@ -10322,7 +9761,7 @@
 </p:sld>
 </file>
 
-<file path=ppt/slides/slide6.xml><?xml version="1.0" encoding="utf-8"?>
+<file path=ppt/slides/slide5.xml><?xml version="1.0" encoding="utf-8"?>
 <p:sld xmlns:a="http://schemas.openxmlformats.org/drawingml/2006/main" xmlns:r="http://schemas.openxmlformats.org/officeDocument/2006/relationships" xmlns:p="http://schemas.openxmlformats.org/presentationml/2006/main">
   <p:cSld>
     <p:spTree>
